--- a/Ankalu-Presentation 2.pptx
+++ b/Ankalu-Presentation 2.pptx
@@ -283,7 +283,7 @@
       </p14:sectionLst>
     </p:ext>
     <p:ext uri="{EFAFB233-063F-42B5-8137-9DF3F51BA10A}">
-      <p15:sldGuideLst xmlns:p15="http://schemas.microsoft.com/office/powerpoint/2012/main">
+      <p15:sldGuideLst xmlns:p15="http://schemas.microsoft.com/office/powerpoint/2012/main" xmlns="">
         <p15:guide id="1" orient="horz" pos="1620">
           <p15:clr>
             <a:srgbClr val="A4A3A4"/>
@@ -716,7 +716,7 @@
           <a:lstStyle/>
           <a:p>
             <a:r>
-              <a:rPr lang="de-DE" sz="1100" kern="1200" dirty="0" err="1">
+              <a:rPr lang="de-DE" sz="1100" kern="1200" dirty="0">
                 <a:solidFill>
                   <a:schemeClr val="tx1"/>
                 </a:solidFill>
@@ -725,10 +725,10 @@
                 <a:ea typeface="+mn-ea"/>
                 <a:cs typeface="+mn-cs"/>
               </a:rPr>
-              <a:t>Ankalu</a:t>
-            </a:r>
-            <a:r>
-              <a:rPr lang="de-DE" sz="1100" kern="1200" dirty="0">
+              <a:t>Um vorzeitig fehlerhafte Implementierungen zu stoppen nutzen wir natürlich auch Unit </a:t>
+            </a:r>
+            <a:r>
+              <a:rPr lang="de-DE" sz="1100" kern="1200" dirty="0" err="1">
                 <a:solidFill>
                   <a:schemeClr val="tx1"/>
                 </a:solidFill>
@@ -737,13 +737,10 @@
                 <a:ea typeface="+mn-ea"/>
                 <a:cs typeface="+mn-cs"/>
               </a:rPr>
-              <a:t> Tetris mit dem State Pattern implementiert:</a:t>
-            </a:r>
-          </a:p>
-          <a:p>
-            <a:pPr lvl="0"/>
-            <a:r>
-              <a:rPr lang="en-US" sz="1100" kern="1200" dirty="0">
+              <a:t>Testing</a:t>
+            </a:r>
+            <a:r>
+              <a:rPr lang="de-DE" sz="1100" kern="1200" dirty="0">
                 <a:solidFill>
                   <a:schemeClr val="tx1"/>
                 </a:solidFill>
@@ -752,10 +749,12 @@
                 <a:ea typeface="+mn-ea"/>
                 <a:cs typeface="+mn-cs"/>
               </a:rPr>
-              <a:t>4 </a:t>
-            </a:r>
-            <a:r>
-              <a:rPr lang="en-US" sz="1100" kern="1200" dirty="0" err="1">
+              <a:t>:</a:t>
+            </a:r>
+          </a:p>
+          <a:p>
+            <a:r>
+              <a:rPr lang="de-DE" sz="1100" kern="1200" dirty="0">
                 <a:solidFill>
                   <a:schemeClr val="tx1"/>
                 </a:solidFill>
@@ -764,10 +763,10 @@
                 <a:ea typeface="+mn-ea"/>
                 <a:cs typeface="+mn-cs"/>
               </a:rPr>
-              <a:t>Stati</a:t>
-            </a:r>
-            <a:r>
-              <a:rPr lang="en-US" sz="1100" kern="1200" dirty="0">
+              <a:t>Hierfür nutzen wir das für Java entwickelte Framework </a:t>
+            </a:r>
+            <a:r>
+              <a:rPr lang="de-DE" sz="1100" kern="1200" dirty="0" err="1">
                 <a:solidFill>
                   <a:schemeClr val="tx1"/>
                 </a:solidFill>
@@ -776,22 +775,10 @@
                 <a:ea typeface="+mn-ea"/>
                 <a:cs typeface="+mn-cs"/>
               </a:rPr>
-              <a:t>: GET READY, PAUSE, GAMEOVER, PLAYING</a:t>
-            </a:r>
-            <a:endParaRPr lang="de-DE" sz="1100" kern="1200" dirty="0">
-              <a:solidFill>
-                <a:schemeClr val="tx1"/>
-              </a:solidFill>
-              <a:effectLst/>
-              <a:latin typeface="+mn-lt"/>
-              <a:ea typeface="+mn-ea"/>
-              <a:cs typeface="+mn-cs"/>
-            </a:endParaRPr>
-          </a:p>
-          <a:p>
-            <a:pPr lvl="0"/>
-            <a:r>
-              <a:rPr lang="en-US" sz="1100" kern="1200" dirty="0">
+              <a:t>JUnit</a:t>
+            </a:r>
+            <a:r>
+              <a:rPr lang="de-DE" sz="1100" kern="1200" dirty="0">
                 <a:solidFill>
                   <a:schemeClr val="tx1"/>
                 </a:solidFill>
@@ -800,10 +787,24 @@
                 <a:ea typeface="+mn-ea"/>
                 <a:cs typeface="+mn-cs"/>
               </a:rPr>
-              <a:t>GETREADY </a:t>
-            </a:r>
-            <a:r>
-              <a:rPr lang="en-US" sz="1100" kern="1200" dirty="0">
+              <a:t>.</a:t>
+            </a:r>
+          </a:p>
+          <a:p>
+            <a:r>
+              <a:rPr lang="de-DE" sz="1100" kern="1200" dirty="0">
+                <a:solidFill>
+                  <a:schemeClr val="tx1"/>
+                </a:solidFill>
+                <a:effectLst/>
+                <a:latin typeface="+mn-lt"/>
+                <a:ea typeface="+mn-ea"/>
+                <a:cs typeface="+mn-cs"/>
+              </a:rPr>
+              <a:t>Bevor wir selbst Testen ob Move Right nach Änderung noch funktioniert und süchtig werden </a:t>
+            </a:r>
+            <a:r>
+              <a:rPr lang="de-DE" sz="1100" kern="1200" dirty="0">
                 <a:solidFill>
                   <a:schemeClr val="tx1"/>
                 </a:solidFill>
@@ -816,7 +817,7 @@
               <a:t></a:t>
             </a:r>
             <a:r>
-              <a:rPr lang="en-US" sz="1100" kern="1200" dirty="0">
+              <a:rPr lang="de-DE" sz="1100" kern="1200" dirty="0">
                 <a:solidFill>
                   <a:schemeClr val="tx1"/>
                 </a:solidFill>
@@ -825,22 +826,10 @@
                 <a:ea typeface="+mn-ea"/>
                 <a:cs typeface="+mn-cs"/>
               </a:rPr>
-              <a:t> PLAYING</a:t>
-            </a:r>
-            <a:endParaRPr lang="de-DE" sz="1100" kern="1200" dirty="0">
-              <a:solidFill>
-                <a:schemeClr val="tx1"/>
-              </a:solidFill>
-              <a:effectLst/>
-              <a:latin typeface="+mn-lt"/>
-              <a:ea typeface="+mn-ea"/>
-              <a:cs typeface="+mn-cs"/>
-            </a:endParaRPr>
-          </a:p>
-          <a:p>
-            <a:pPr lvl="0"/>
-            <a:r>
-              <a:rPr lang="en-US" sz="1100" kern="1200" dirty="0" err="1">
+              <a:t> Wir können es per Testdurchlauf direkt abfangen. </a:t>
+            </a:r>
+            <a:r>
+              <a:rPr lang="de-DE" sz="1100" kern="1200" dirty="0">
                 <a:solidFill>
                   <a:schemeClr val="tx1"/>
                 </a:solidFill>
@@ -848,11 +837,12 @@
                 <a:latin typeface="+mn-lt"/>
                 <a:ea typeface="+mn-ea"/>
                 <a:cs typeface="+mn-cs"/>
-              </a:rPr>
-              <a:t>Im</a:t>
-            </a:r>
-            <a:r>
-              <a:rPr lang="en-US" sz="1100" kern="1200" dirty="0">
+                <a:sym typeface="Wingdings" panose="05000000000000000000" pitchFamily="2" charset="2"/>
+              </a:rPr>
+              <a:t></a:t>
+            </a:r>
+            <a:r>
+              <a:rPr lang="de-DE" sz="1100" kern="1200" dirty="0">
                 <a:solidFill>
                   <a:schemeClr val="tx1"/>
                 </a:solidFill>
@@ -861,67 +851,7 @@
                 <a:ea typeface="+mn-ea"/>
                 <a:cs typeface="+mn-cs"/>
               </a:rPr>
-              <a:t> Status Playing </a:t>
-            </a:r>
-            <a:r>
-              <a:rPr lang="en-US" sz="1100" kern="1200" dirty="0" err="1">
-                <a:solidFill>
-                  <a:schemeClr val="tx1"/>
-                </a:solidFill>
-                <a:effectLst/>
-                <a:latin typeface="+mn-lt"/>
-                <a:ea typeface="+mn-ea"/>
-                <a:cs typeface="+mn-cs"/>
-              </a:rPr>
-              <a:t>funktionieren</a:t>
-            </a:r>
-            <a:r>
-              <a:rPr lang="en-US" sz="1100" kern="1200" dirty="0">
-                <a:solidFill>
-                  <a:schemeClr val="tx1"/>
-                </a:solidFill>
-                <a:effectLst/>
-                <a:latin typeface="+mn-lt"/>
-                <a:ea typeface="+mn-ea"/>
-                <a:cs typeface="+mn-cs"/>
-              </a:rPr>
-              <a:t> </a:t>
-            </a:r>
-            <a:r>
-              <a:rPr lang="en-US" sz="1100" kern="1200" dirty="0" err="1">
-                <a:solidFill>
-                  <a:schemeClr val="tx1"/>
-                </a:solidFill>
-                <a:effectLst/>
-                <a:latin typeface="+mn-lt"/>
-                <a:ea typeface="+mn-ea"/>
-                <a:cs typeface="+mn-cs"/>
-              </a:rPr>
-              <a:t>Bewegungsbefehle</a:t>
-            </a:r>
-            <a:endParaRPr lang="de-DE" sz="1100" kern="1200" dirty="0">
-              <a:solidFill>
-                <a:schemeClr val="tx1"/>
-              </a:solidFill>
-              <a:effectLst/>
-              <a:latin typeface="+mn-lt"/>
-              <a:ea typeface="+mn-ea"/>
-              <a:cs typeface="+mn-cs"/>
-            </a:endParaRPr>
-          </a:p>
-          <a:p>
-            <a:pPr lvl="0"/>
-            <a:r>
-              <a:rPr lang="de-DE" sz="1100" kern="1200" dirty="0">
-                <a:solidFill>
-                  <a:schemeClr val="tx1"/>
-                </a:solidFill>
-                <a:effectLst/>
-                <a:latin typeface="+mn-lt"/>
-                <a:ea typeface="+mn-ea"/>
-                <a:cs typeface="+mn-cs"/>
-              </a:rPr>
-              <a:t>Pausiert oder GAMEOVER: nicht mehr bewegbar</a:t>
+              <a:t> Effizient weiter arbeiten</a:t>
             </a:r>
           </a:p>
           <a:p>
@@ -932,7 +862,7 @@
     </p:spTree>
     <p:extLst>
       <p:ext uri="{BB962C8B-B14F-4D97-AF65-F5344CB8AC3E}">
-        <p14:creationId xmlns:p14="http://schemas.microsoft.com/office/powerpoint/2010/main" val="1382885418"/>
+        <p14:creationId xmlns:p14="http://schemas.microsoft.com/office/powerpoint/2010/main" val="3232680702"/>
       </p:ext>
     </p:extLst>
   </p:cSld>
@@ -991,6 +921,343 @@
           <a:bodyPr/>
           <a:lstStyle/>
           <a:p>
+            <a:endParaRPr lang="de-DE" dirty="0"/>
+          </a:p>
+        </p:txBody>
+      </p:sp>
+    </p:spTree>
+    <p:extLst>
+      <p:ext uri="{BB962C8B-B14F-4D97-AF65-F5344CB8AC3E}">
+        <p14:creationId xmlns:p14="http://schemas.microsoft.com/office/powerpoint/2010/main" val="2681586836"/>
+      </p:ext>
+    </p:extLst>
+  </p:cSld>
+  <p:clrMapOvr>
+    <a:masterClrMapping/>
+  </p:clrMapOvr>
+</p:notes>
+</file>
+
+<file path=ppt/notesSlides/notesSlide12.xml><?xml version="1.0" encoding="utf-8"?>
+<p:notes xmlns:a="http://schemas.openxmlformats.org/drawingml/2006/main" xmlns:r="http://schemas.openxmlformats.org/officeDocument/2006/relationships" xmlns:p="http://schemas.openxmlformats.org/presentationml/2006/main">
+  <p:cSld>
+    <p:spTree>
+      <p:nvGrpSpPr>
+        <p:cNvPr id="1" name=""/>
+        <p:cNvGrpSpPr/>
+        <p:nvPr/>
+      </p:nvGrpSpPr>
+      <p:grpSpPr>
+        <a:xfrm>
+          <a:off x="0" y="0"/>
+          <a:ext cx="0" cy="0"/>
+          <a:chOff x="0" y="0"/>
+          <a:chExt cx="0" cy="0"/>
+        </a:xfrm>
+      </p:grpSpPr>
+      <p:sp>
+        <p:nvSpPr>
+          <p:cNvPr id="2" name="Folienbildplatzhalter 1"/>
+          <p:cNvSpPr>
+            <a:spLocks noGrp="1" noRot="1" noChangeAspect="1"/>
+          </p:cNvSpPr>
+          <p:nvPr>
+            <p:ph type="sldImg"/>
+          </p:nvPr>
+        </p:nvSpPr>
+        <p:spPr/>
+      </p:sp>
+      <p:sp>
+        <p:nvSpPr>
+          <p:cNvPr id="3" name="Notizenplatzhalter 2"/>
+          <p:cNvSpPr>
+            <a:spLocks noGrp="1"/>
+          </p:cNvSpPr>
+          <p:nvPr>
+            <p:ph type="body" idx="1"/>
+          </p:nvPr>
+        </p:nvSpPr>
+        <p:spPr/>
+        <p:txBody>
+          <a:bodyPr/>
+          <a:lstStyle/>
+          <a:p>
+            <a:r>
+              <a:rPr lang="de-DE" sz="1100" kern="1200" dirty="0" err="1">
+                <a:solidFill>
+                  <a:schemeClr val="tx1"/>
+                </a:solidFill>
+                <a:effectLst/>
+                <a:latin typeface="+mn-lt"/>
+                <a:ea typeface="+mn-ea"/>
+                <a:cs typeface="+mn-cs"/>
+              </a:rPr>
+              <a:t>Ankalu</a:t>
+            </a:r>
+            <a:r>
+              <a:rPr lang="de-DE" sz="1100" kern="1200" dirty="0">
+                <a:solidFill>
+                  <a:schemeClr val="tx1"/>
+                </a:solidFill>
+                <a:effectLst/>
+                <a:latin typeface="+mn-lt"/>
+                <a:ea typeface="+mn-ea"/>
+                <a:cs typeface="+mn-cs"/>
+              </a:rPr>
+              <a:t> Tetris mit dem State Pattern implementiert:</a:t>
+            </a:r>
+          </a:p>
+          <a:p>
+            <a:pPr lvl="0"/>
+            <a:r>
+              <a:rPr lang="en-US" sz="1100" kern="1200" dirty="0">
+                <a:solidFill>
+                  <a:schemeClr val="tx1"/>
+                </a:solidFill>
+                <a:effectLst/>
+                <a:latin typeface="+mn-lt"/>
+                <a:ea typeface="+mn-ea"/>
+                <a:cs typeface="+mn-cs"/>
+              </a:rPr>
+              <a:t>4 </a:t>
+            </a:r>
+            <a:r>
+              <a:rPr lang="en-US" sz="1100" kern="1200" dirty="0" err="1">
+                <a:solidFill>
+                  <a:schemeClr val="tx1"/>
+                </a:solidFill>
+                <a:effectLst/>
+                <a:latin typeface="+mn-lt"/>
+                <a:ea typeface="+mn-ea"/>
+                <a:cs typeface="+mn-cs"/>
+              </a:rPr>
+              <a:t>Stati</a:t>
+            </a:r>
+            <a:r>
+              <a:rPr lang="en-US" sz="1100" kern="1200" dirty="0">
+                <a:solidFill>
+                  <a:schemeClr val="tx1"/>
+                </a:solidFill>
+                <a:effectLst/>
+                <a:latin typeface="+mn-lt"/>
+                <a:ea typeface="+mn-ea"/>
+                <a:cs typeface="+mn-cs"/>
+              </a:rPr>
+              <a:t>: GET READY, PAUSE, GAMEOVER, PLAYING</a:t>
+            </a:r>
+            <a:endParaRPr lang="de-DE" sz="1100" kern="1200" dirty="0">
+              <a:solidFill>
+                <a:schemeClr val="tx1"/>
+              </a:solidFill>
+              <a:effectLst/>
+              <a:latin typeface="+mn-lt"/>
+              <a:ea typeface="+mn-ea"/>
+              <a:cs typeface="+mn-cs"/>
+            </a:endParaRPr>
+          </a:p>
+          <a:p>
+            <a:pPr lvl="0"/>
+            <a:r>
+              <a:rPr lang="en-US" sz="1100" kern="1200" dirty="0">
+                <a:solidFill>
+                  <a:schemeClr val="tx1"/>
+                </a:solidFill>
+                <a:effectLst/>
+                <a:latin typeface="+mn-lt"/>
+                <a:ea typeface="+mn-ea"/>
+                <a:cs typeface="+mn-cs"/>
+              </a:rPr>
+              <a:t>GETREADY </a:t>
+            </a:r>
+            <a:r>
+              <a:rPr lang="en-US" sz="1100" kern="1200" dirty="0">
+                <a:solidFill>
+                  <a:schemeClr val="tx1"/>
+                </a:solidFill>
+                <a:effectLst/>
+                <a:latin typeface="+mn-lt"/>
+                <a:ea typeface="+mn-ea"/>
+                <a:cs typeface="+mn-cs"/>
+                <a:sym typeface="Wingdings" panose="05000000000000000000" pitchFamily="2" charset="2"/>
+              </a:rPr>
+              <a:t></a:t>
+            </a:r>
+            <a:r>
+              <a:rPr lang="en-US" sz="1100" kern="1200" dirty="0">
+                <a:solidFill>
+                  <a:schemeClr val="tx1"/>
+                </a:solidFill>
+                <a:effectLst/>
+                <a:latin typeface="+mn-lt"/>
+                <a:ea typeface="+mn-ea"/>
+                <a:cs typeface="+mn-cs"/>
+              </a:rPr>
+              <a:t> PLAYING</a:t>
+            </a:r>
+            <a:endParaRPr lang="de-DE" sz="1100" kern="1200" dirty="0">
+              <a:solidFill>
+                <a:schemeClr val="tx1"/>
+              </a:solidFill>
+              <a:effectLst/>
+              <a:latin typeface="+mn-lt"/>
+              <a:ea typeface="+mn-ea"/>
+              <a:cs typeface="+mn-cs"/>
+            </a:endParaRPr>
+          </a:p>
+          <a:p>
+            <a:pPr lvl="0"/>
+            <a:r>
+              <a:rPr lang="en-US" sz="1100" kern="1200" dirty="0" err="1">
+                <a:solidFill>
+                  <a:schemeClr val="tx1"/>
+                </a:solidFill>
+                <a:effectLst/>
+                <a:latin typeface="+mn-lt"/>
+                <a:ea typeface="+mn-ea"/>
+                <a:cs typeface="+mn-cs"/>
+              </a:rPr>
+              <a:t>Im</a:t>
+            </a:r>
+            <a:r>
+              <a:rPr lang="en-US" sz="1100" kern="1200" dirty="0">
+                <a:solidFill>
+                  <a:schemeClr val="tx1"/>
+                </a:solidFill>
+                <a:effectLst/>
+                <a:latin typeface="+mn-lt"/>
+                <a:ea typeface="+mn-ea"/>
+                <a:cs typeface="+mn-cs"/>
+              </a:rPr>
+              <a:t> Status Playing </a:t>
+            </a:r>
+            <a:r>
+              <a:rPr lang="en-US" sz="1100" kern="1200" dirty="0" err="1">
+                <a:solidFill>
+                  <a:schemeClr val="tx1"/>
+                </a:solidFill>
+                <a:effectLst/>
+                <a:latin typeface="+mn-lt"/>
+                <a:ea typeface="+mn-ea"/>
+                <a:cs typeface="+mn-cs"/>
+              </a:rPr>
+              <a:t>funktionieren</a:t>
+            </a:r>
+            <a:r>
+              <a:rPr lang="en-US" sz="1100" kern="1200" dirty="0">
+                <a:solidFill>
+                  <a:schemeClr val="tx1"/>
+                </a:solidFill>
+                <a:effectLst/>
+                <a:latin typeface="+mn-lt"/>
+                <a:ea typeface="+mn-ea"/>
+                <a:cs typeface="+mn-cs"/>
+              </a:rPr>
+              <a:t> </a:t>
+            </a:r>
+            <a:r>
+              <a:rPr lang="en-US" sz="1100" kern="1200" dirty="0" err="1">
+                <a:solidFill>
+                  <a:schemeClr val="tx1"/>
+                </a:solidFill>
+                <a:effectLst/>
+                <a:latin typeface="+mn-lt"/>
+                <a:ea typeface="+mn-ea"/>
+                <a:cs typeface="+mn-cs"/>
+              </a:rPr>
+              <a:t>Bewegungsbefehle</a:t>
+            </a:r>
+            <a:endParaRPr lang="de-DE" sz="1100" kern="1200" dirty="0">
+              <a:solidFill>
+                <a:schemeClr val="tx1"/>
+              </a:solidFill>
+              <a:effectLst/>
+              <a:latin typeface="+mn-lt"/>
+              <a:ea typeface="+mn-ea"/>
+              <a:cs typeface="+mn-cs"/>
+            </a:endParaRPr>
+          </a:p>
+          <a:p>
+            <a:pPr lvl="0"/>
+            <a:r>
+              <a:rPr lang="de-DE" sz="1100" kern="1200" dirty="0">
+                <a:solidFill>
+                  <a:schemeClr val="tx1"/>
+                </a:solidFill>
+                <a:effectLst/>
+                <a:latin typeface="+mn-lt"/>
+                <a:ea typeface="+mn-ea"/>
+                <a:cs typeface="+mn-cs"/>
+              </a:rPr>
+              <a:t>Pausiert oder GAMEOVER: nicht mehr bewegbar</a:t>
+            </a:r>
+          </a:p>
+          <a:p>
+            <a:endParaRPr lang="de-DE" dirty="0"/>
+          </a:p>
+        </p:txBody>
+      </p:sp>
+    </p:spTree>
+    <p:extLst>
+      <p:ext uri="{BB962C8B-B14F-4D97-AF65-F5344CB8AC3E}">
+        <p14:creationId xmlns:p14="http://schemas.microsoft.com/office/powerpoint/2010/main" val="1382885418"/>
+      </p:ext>
+    </p:extLst>
+  </p:cSld>
+  <p:clrMapOvr>
+    <a:masterClrMapping/>
+  </p:clrMapOvr>
+</p:notes>
+</file>
+
+<file path=ppt/notesSlides/notesSlide13.xml><?xml version="1.0" encoding="utf-8"?>
+<p:notes xmlns:a="http://schemas.openxmlformats.org/drawingml/2006/main" xmlns:r="http://schemas.openxmlformats.org/officeDocument/2006/relationships" xmlns:p="http://schemas.openxmlformats.org/presentationml/2006/main">
+  <p:cSld>
+    <p:spTree>
+      <p:nvGrpSpPr>
+        <p:cNvPr id="1" name=""/>
+        <p:cNvGrpSpPr/>
+        <p:nvPr/>
+      </p:nvGrpSpPr>
+      <p:grpSpPr>
+        <a:xfrm>
+          <a:off x="0" y="0"/>
+          <a:ext cx="0" cy="0"/>
+          <a:chOff x="0" y="0"/>
+          <a:chExt cx="0" cy="0"/>
+        </a:xfrm>
+      </p:grpSpPr>
+      <p:sp>
+        <p:nvSpPr>
+          <p:cNvPr id="2" name="Folienbildplatzhalter 1"/>
+          <p:cNvSpPr>
+            <a:spLocks noGrp="1" noRot="1" noChangeAspect="1"/>
+          </p:cNvSpPr>
+          <p:nvPr>
+            <p:ph type="sldImg"/>
+          </p:nvPr>
+        </p:nvSpPr>
+        <p:spPr>
+          <a:xfrm>
+            <a:off x="381000" y="685800"/>
+            <a:ext cx="6096000" cy="3429000"/>
+          </a:xfrm>
+        </p:spPr>
+      </p:sp>
+      <p:sp>
+        <p:nvSpPr>
+          <p:cNvPr id="3" name="Notizenplatzhalter 2"/>
+          <p:cNvSpPr>
+            <a:spLocks noGrp="1"/>
+          </p:cNvSpPr>
+          <p:nvPr>
+            <p:ph type="body" idx="1"/>
+          </p:nvPr>
+        </p:nvSpPr>
+        <p:spPr/>
+        <p:txBody>
+          <a:bodyPr/>
+          <a:lstStyle/>
+          <a:p>
             <a:r>
               <a:rPr lang="de-DE" dirty="0"/>
               <a:t>Nur in PLAYING : Bewegungstasten</a:t>
@@ -1017,7 +1284,7 @@
 </p:notes>
 </file>
 
-<file path=ppt/notesSlides/notesSlide12.xml><?xml version="1.0" encoding="utf-8"?>
+<file path=ppt/notesSlides/notesSlide14.xml><?xml version="1.0" encoding="utf-8"?>
 <p:notes xmlns:a="http://schemas.openxmlformats.org/drawingml/2006/main" xmlns:r="http://schemas.openxmlformats.org/officeDocument/2006/relationships" xmlns:p="http://schemas.openxmlformats.org/presentationml/2006/main">
   <p:cSld>
     <p:spTree>
@@ -1078,7 +1345,7 @@
 </p:notes>
 </file>
 
-<file path=ppt/notesSlides/notesSlide13.xml><?xml version="1.0" encoding="utf-8"?>
+<file path=ppt/notesSlides/notesSlide15.xml><?xml version="1.0" encoding="utf-8"?>
 <p:notes xmlns:a="http://schemas.openxmlformats.org/drawingml/2006/main" xmlns:r="http://schemas.openxmlformats.org/officeDocument/2006/relationships" xmlns:p="http://schemas.openxmlformats.org/presentationml/2006/main" showMasterSp="0" showMasterPhAnim="0">
   <p:cSld>
     <p:spTree>
@@ -1810,6 +2077,55 @@
           <a:bodyPr/>
           <a:lstStyle/>
           <a:p>
+            <a:r>
+              <a:rPr lang="de-DE" sz="1100" b="0" i="0" kern="1200" dirty="0" err="1" smtClean="0">
+                <a:solidFill>
+                  <a:schemeClr val="tx1"/>
+                </a:solidFill>
+                <a:effectLst/>
+                <a:latin typeface="+mn-lt"/>
+                <a:ea typeface="+mn-ea"/>
+                <a:cs typeface="+mn-cs"/>
+              </a:rPr>
+              <a:t>achlich</a:t>
+            </a:r>
+            <a:r>
+              <a:rPr lang="de-DE" sz="1100" b="0" i="0" kern="1200" dirty="0" smtClean="0">
+                <a:solidFill>
+                  <a:schemeClr val="tx1"/>
+                </a:solidFill>
+                <a:effectLst/>
+                <a:latin typeface="+mn-lt"/>
+                <a:ea typeface="+mn-ea"/>
+                <a:cs typeface="+mn-cs"/>
+              </a:rPr>
+              <a:t>-funktionalen Umfangs eines </a:t>
+            </a:r>
+            <a:r>
+              <a:rPr lang="de-DE" sz="1100" b="0" i="0" u="none" strike="noStrike" kern="1200" dirty="0" smtClean="0">
+                <a:solidFill>
+                  <a:schemeClr val="tx1"/>
+                </a:solidFill>
+                <a:effectLst/>
+                <a:latin typeface="+mn-lt"/>
+                <a:ea typeface="+mn-ea"/>
+                <a:cs typeface="+mn-cs"/>
+                <a:hlinkClick r:id="rId3" tooltip="Informationstechnisches System"/>
+              </a:rPr>
+              <a:t>informationstechnischen Systems</a:t>
+            </a:r>
+            <a:r>
+              <a:rPr lang="de-DE" sz="1100" b="0" i="0" kern="1200" dirty="0" smtClean="0">
+                <a:solidFill>
+                  <a:schemeClr val="tx1"/>
+                </a:solidFill>
+                <a:effectLst/>
+                <a:latin typeface="+mn-lt"/>
+                <a:ea typeface="+mn-ea"/>
+                <a:cs typeface="+mn-cs"/>
+              </a:rPr>
+              <a:t>,</a:t>
+            </a:r>
             <a:endParaRPr lang="de-DE" dirty="0"/>
           </a:p>
         </p:txBody>
@@ -1854,12 +2170,7 @@
             <p:ph type="sldImg"/>
           </p:nvPr>
         </p:nvSpPr>
-        <p:spPr>
-          <a:xfrm>
-            <a:off x="381000" y="685800"/>
-            <a:ext cx="6096000" cy="3429000"/>
-          </a:xfrm>
-        </p:spPr>
+        <p:spPr/>
       </p:sp>
       <p:sp>
         <p:nvSpPr>
@@ -1877,178 +2188,39 @@
           <a:lstStyle/>
           <a:p>
             <a:r>
-              <a:rPr lang="de-DE" sz="1100" kern="1200" dirty="0">
-                <a:solidFill>
-                  <a:schemeClr val="tx1"/>
-                </a:solidFill>
-                <a:effectLst/>
-                <a:latin typeface="+mn-lt"/>
-                <a:ea typeface="+mn-ea"/>
-                <a:cs typeface="+mn-cs"/>
-              </a:rPr>
-              <a:t>Testen Use </a:t>
-            </a:r>
-            <a:r>
-              <a:rPr lang="de-DE" sz="1100" kern="1200" dirty="0" err="1">
-                <a:solidFill>
-                  <a:schemeClr val="tx1"/>
-                </a:solidFill>
-                <a:effectLst/>
-                <a:latin typeface="+mn-lt"/>
-                <a:ea typeface="+mn-ea"/>
-                <a:cs typeface="+mn-cs"/>
-              </a:rPr>
-              <a:t>cases</a:t>
-            </a:r>
-            <a:r>
-              <a:rPr lang="de-DE" sz="1100" kern="1200" dirty="0">
-                <a:solidFill>
-                  <a:schemeClr val="tx1"/>
-                </a:solidFill>
-                <a:effectLst/>
-                <a:latin typeface="+mn-lt"/>
-                <a:ea typeface="+mn-ea"/>
-                <a:cs typeface="+mn-cs"/>
-              </a:rPr>
-              <a:t> haben wir </a:t>
-            </a:r>
-            <a:r>
-              <a:rPr lang="de-DE" sz="1100" kern="1200" dirty="0" err="1">
-                <a:solidFill>
-                  <a:schemeClr val="tx1"/>
-                </a:solidFill>
-                <a:effectLst/>
-                <a:latin typeface="+mn-lt"/>
-                <a:ea typeface="+mn-ea"/>
-                <a:cs typeface="+mn-cs"/>
-              </a:rPr>
-              <a:t>cucumber</a:t>
-            </a:r>
-            <a:r>
-              <a:rPr lang="de-DE" sz="1100" kern="1200" dirty="0">
-                <a:solidFill>
-                  <a:schemeClr val="tx1"/>
-                </a:solidFill>
-                <a:effectLst/>
-                <a:latin typeface="+mn-lt"/>
-                <a:ea typeface="+mn-ea"/>
-                <a:cs typeface="+mn-cs"/>
-              </a:rPr>
-              <a:t> genutzt. </a:t>
-            </a:r>
+              <a:rPr lang="de-DE" dirty="0" err="1" smtClean="0"/>
+              <a:t>Maven</a:t>
+            </a:r>
+            <a:r>
+              <a:rPr lang="de-DE" dirty="0" smtClean="0"/>
+              <a:t> </a:t>
+            </a:r>
+            <a:r>
+              <a:rPr lang="de-DE" dirty="0" err="1" smtClean="0"/>
+              <a:t>apache</a:t>
+            </a:r>
+            <a:endParaRPr lang="de-DE" dirty="0" smtClean="0"/>
           </a:p>
           <a:p>
             <a:r>
-              <a:rPr lang="de-DE" sz="1100" kern="1200" dirty="0">
-                <a:solidFill>
-                  <a:schemeClr val="tx1"/>
-                </a:solidFill>
-                <a:effectLst/>
-                <a:latin typeface="+mn-lt"/>
-                <a:ea typeface="+mn-ea"/>
-                <a:cs typeface="+mn-cs"/>
-              </a:rPr>
-              <a:t>Feature </a:t>
-            </a:r>
-            <a:r>
-              <a:rPr lang="de-DE" sz="1100" kern="1200" dirty="0" err="1">
-                <a:solidFill>
-                  <a:schemeClr val="tx1"/>
-                </a:solidFill>
-                <a:effectLst/>
-                <a:latin typeface="+mn-lt"/>
-                <a:ea typeface="+mn-ea"/>
-                <a:cs typeface="+mn-cs"/>
-              </a:rPr>
-              <a:t>files</a:t>
-            </a:r>
-            <a:r>
-              <a:rPr lang="de-DE" sz="1100" kern="1200" dirty="0">
-                <a:solidFill>
-                  <a:schemeClr val="tx1"/>
-                </a:solidFill>
-                <a:effectLst/>
-                <a:latin typeface="+mn-lt"/>
-                <a:ea typeface="+mn-ea"/>
-                <a:cs typeface="+mn-cs"/>
-              </a:rPr>
-              <a:t> erstellt</a:t>
-            </a:r>
-          </a:p>
-          <a:p>
-            <a:r>
-              <a:rPr lang="de-DE" sz="1100" kern="1200" dirty="0">
-                <a:solidFill>
-                  <a:schemeClr val="tx1"/>
-                </a:solidFill>
-                <a:effectLst/>
-                <a:latin typeface="+mn-lt"/>
-                <a:ea typeface="+mn-ea"/>
-                <a:cs typeface="+mn-cs"/>
-              </a:rPr>
-              <a:t>In Sprache Gherkin geschrieben: Sodass automatisiert </a:t>
-            </a:r>
-            <a:r>
-              <a:rPr lang="de-DE" sz="1100" kern="1200" dirty="0" err="1">
-                <a:solidFill>
-                  <a:schemeClr val="tx1"/>
-                </a:solidFill>
-                <a:effectLst/>
-                <a:latin typeface="+mn-lt"/>
-                <a:ea typeface="+mn-ea"/>
-                <a:cs typeface="+mn-cs"/>
-              </a:rPr>
-              <a:t>use</a:t>
-            </a:r>
-            <a:r>
-              <a:rPr lang="de-DE" sz="1100" kern="1200" dirty="0">
-                <a:solidFill>
-                  <a:schemeClr val="tx1"/>
-                </a:solidFill>
-                <a:effectLst/>
-                <a:latin typeface="+mn-lt"/>
-                <a:ea typeface="+mn-ea"/>
-                <a:cs typeface="+mn-cs"/>
-              </a:rPr>
-              <a:t> </a:t>
-            </a:r>
-            <a:r>
-              <a:rPr lang="de-DE" sz="1100" kern="1200" dirty="0" err="1">
-                <a:solidFill>
-                  <a:schemeClr val="tx1"/>
-                </a:solidFill>
-                <a:effectLst/>
-                <a:latin typeface="+mn-lt"/>
-                <a:ea typeface="+mn-ea"/>
-                <a:cs typeface="+mn-cs"/>
-              </a:rPr>
-              <a:t>cases</a:t>
-            </a:r>
-            <a:r>
-              <a:rPr lang="de-DE" sz="1100" kern="1200" dirty="0">
-                <a:solidFill>
-                  <a:schemeClr val="tx1"/>
-                </a:solidFill>
-                <a:effectLst/>
-                <a:latin typeface="+mn-lt"/>
-                <a:ea typeface="+mn-ea"/>
-                <a:cs typeface="+mn-cs"/>
-              </a:rPr>
-              <a:t> abgefragt werden</a:t>
-            </a:r>
-          </a:p>
-          <a:p>
-            <a:r>
-              <a:rPr lang="de-DE" sz="1100" kern="1200" dirty="0">
-                <a:solidFill>
-                  <a:schemeClr val="tx1"/>
-                </a:solidFill>
-                <a:effectLst/>
-                <a:latin typeface="+mn-lt"/>
-                <a:ea typeface="+mn-ea"/>
-                <a:cs typeface="+mn-cs"/>
-              </a:rPr>
-              <a:t>Beispiel: Bild</a:t>
+              <a:rPr lang="de-DE" dirty="0" smtClean="0"/>
+              <a:t>Spring </a:t>
+            </a:r>
+            <a:r>
+              <a:rPr lang="de-DE" dirty="0" err="1" smtClean="0"/>
+              <a:t>framework</a:t>
+            </a:r>
+            <a:r>
+              <a:rPr lang="de-DE" dirty="0" smtClean="0"/>
+              <a:t> zum </a:t>
+            </a:r>
+            <a:r>
+              <a:rPr lang="de-DE" dirty="0" err="1" smtClean="0"/>
+              <a:t>leicher</a:t>
+            </a:r>
+            <a:r>
+              <a:rPr lang="de-DE" dirty="0" smtClean="0"/>
+              <a:t> erstellen</a:t>
             </a:r>
             <a:endParaRPr lang="de-DE" dirty="0"/>
           </a:p>
@@ -2057,7 +2229,7 @@
     </p:spTree>
     <p:extLst>
       <p:ext uri="{BB962C8B-B14F-4D97-AF65-F5344CB8AC3E}">
-        <p14:creationId xmlns:p14="http://schemas.microsoft.com/office/powerpoint/2010/main" val="683492654"/>
+        <p14:creationId xmlns:p14="http://schemas.microsoft.com/office/powerpoint/2010/main" val="3367584981"/>
       </p:ext>
     </p:extLst>
   </p:cSld>
@@ -2112,145 +2284,13 @@
           <a:lstStyle/>
           <a:p>
             <a:r>
-              <a:rPr lang="de-DE" sz="1100" kern="1200" dirty="0">
-                <a:solidFill>
-                  <a:schemeClr val="tx1"/>
-                </a:solidFill>
-                <a:effectLst/>
-                <a:latin typeface="+mn-lt"/>
-                <a:ea typeface="+mn-ea"/>
-                <a:cs typeface="+mn-cs"/>
-              </a:rPr>
-              <a:t>Um vorzeitig fehlerhafte Implementierungen zu stoppen nutzen wir natürlich auch Unit </a:t>
-            </a:r>
-            <a:r>
-              <a:rPr lang="de-DE" sz="1100" kern="1200" dirty="0" err="1">
-                <a:solidFill>
-                  <a:schemeClr val="tx1"/>
-                </a:solidFill>
-                <a:effectLst/>
-                <a:latin typeface="+mn-lt"/>
-                <a:ea typeface="+mn-ea"/>
-                <a:cs typeface="+mn-cs"/>
-              </a:rPr>
-              <a:t>Testing</a:t>
-            </a:r>
-            <a:r>
-              <a:rPr lang="de-DE" sz="1100" kern="1200" dirty="0">
-                <a:solidFill>
-                  <a:schemeClr val="tx1"/>
-                </a:solidFill>
-                <a:effectLst/>
-                <a:latin typeface="+mn-lt"/>
-                <a:ea typeface="+mn-ea"/>
-                <a:cs typeface="+mn-cs"/>
-              </a:rPr>
-              <a:t>:</a:t>
-            </a:r>
-          </a:p>
-          <a:p>
-            <a:r>
-              <a:rPr lang="de-DE" sz="1100" kern="1200" dirty="0">
-                <a:solidFill>
-                  <a:schemeClr val="tx1"/>
-                </a:solidFill>
-                <a:effectLst/>
-                <a:latin typeface="+mn-lt"/>
-                <a:ea typeface="+mn-ea"/>
-                <a:cs typeface="+mn-cs"/>
-              </a:rPr>
-              <a:t>Hierfür nutzen wir das für Java entwickelte Framework </a:t>
-            </a:r>
-            <a:r>
-              <a:rPr lang="de-DE" sz="1100" kern="1200" dirty="0" err="1">
-                <a:solidFill>
-                  <a:schemeClr val="tx1"/>
-                </a:solidFill>
-                <a:effectLst/>
-                <a:latin typeface="+mn-lt"/>
-                <a:ea typeface="+mn-ea"/>
-                <a:cs typeface="+mn-cs"/>
-              </a:rPr>
-              <a:t>JUnit</a:t>
-            </a:r>
-            <a:r>
-              <a:rPr lang="de-DE" sz="1100" kern="1200" dirty="0">
-                <a:solidFill>
-                  <a:schemeClr val="tx1"/>
-                </a:solidFill>
-                <a:effectLst/>
-                <a:latin typeface="+mn-lt"/>
-                <a:ea typeface="+mn-ea"/>
-                <a:cs typeface="+mn-cs"/>
-              </a:rPr>
-              <a:t>.</a:t>
-            </a:r>
-          </a:p>
-          <a:p>
-            <a:r>
-              <a:rPr lang="de-DE" sz="1100" kern="1200" dirty="0">
-                <a:solidFill>
-                  <a:schemeClr val="tx1"/>
-                </a:solidFill>
-                <a:effectLst/>
-                <a:latin typeface="+mn-lt"/>
-                <a:ea typeface="+mn-ea"/>
-                <a:cs typeface="+mn-cs"/>
-              </a:rPr>
-              <a:t>Bevor wir selbst Testen ob Move Right nach Änderung noch funktioniert und süchtig werden </a:t>
-            </a:r>
-            <a:r>
-              <a:rPr lang="de-DE" sz="1100" kern="1200" dirty="0">
-                <a:solidFill>
-                  <a:schemeClr val="tx1"/>
-                </a:solidFill>
-                <a:effectLst/>
-                <a:latin typeface="+mn-lt"/>
-                <a:ea typeface="+mn-ea"/>
-                <a:cs typeface="+mn-cs"/>
-                <a:sym typeface="Wingdings" panose="05000000000000000000" pitchFamily="2" charset="2"/>
-              </a:rPr>
-              <a:t></a:t>
-            </a:r>
-            <a:r>
-              <a:rPr lang="de-DE" sz="1100" kern="1200" dirty="0">
-                <a:solidFill>
-                  <a:schemeClr val="tx1"/>
-                </a:solidFill>
-                <a:effectLst/>
-                <a:latin typeface="+mn-lt"/>
-                <a:ea typeface="+mn-ea"/>
-                <a:cs typeface="+mn-cs"/>
-              </a:rPr>
-              <a:t> Wir können es per Testdurchlauf direkt abfangen. </a:t>
-            </a:r>
-            <a:r>
-              <a:rPr lang="de-DE" sz="1100" kern="1200" dirty="0">
-                <a:solidFill>
-                  <a:schemeClr val="tx1"/>
-                </a:solidFill>
-                <a:effectLst/>
-                <a:latin typeface="+mn-lt"/>
-                <a:ea typeface="+mn-ea"/>
-                <a:cs typeface="+mn-cs"/>
-                <a:sym typeface="Wingdings" panose="05000000000000000000" pitchFamily="2" charset="2"/>
-              </a:rPr>
-              <a:t></a:t>
-            </a:r>
-            <a:r>
-              <a:rPr lang="de-DE" sz="1100" kern="1200" dirty="0">
-                <a:solidFill>
-                  <a:schemeClr val="tx1"/>
-                </a:solidFill>
-                <a:effectLst/>
-                <a:latin typeface="+mn-lt"/>
-                <a:ea typeface="+mn-ea"/>
-                <a:cs typeface="+mn-cs"/>
-              </a:rPr>
-              <a:t> Effizient weiter arbeiten</a:t>
-            </a:r>
-          </a:p>
-          <a:p>
+              <a:rPr lang="de-DE" dirty="0" smtClean="0"/>
+              <a:t>Code </a:t>
+            </a:r>
+            <a:r>
+              <a:rPr lang="de-DE" dirty="0" err="1" smtClean="0"/>
+              <a:t>reviews</a:t>
+            </a:r>
             <a:endParaRPr lang="de-DE" dirty="0"/>
           </a:p>
         </p:txBody>
@@ -2258,7 +2298,7 @@
     </p:spTree>
     <p:extLst>
       <p:ext uri="{BB962C8B-B14F-4D97-AF65-F5344CB8AC3E}">
-        <p14:creationId xmlns:p14="http://schemas.microsoft.com/office/powerpoint/2010/main" val="3232680702"/>
+        <p14:creationId xmlns:p14="http://schemas.microsoft.com/office/powerpoint/2010/main" val="243472576"/>
       </p:ext>
     </p:extLst>
   </p:cSld>
@@ -2317,6 +2357,180 @@
           <a:bodyPr/>
           <a:lstStyle/>
           <a:p>
+            <a:r>
+              <a:rPr lang="de-DE" sz="1100" kern="1200" dirty="0">
+                <a:solidFill>
+                  <a:schemeClr val="tx1"/>
+                </a:solidFill>
+                <a:effectLst/>
+                <a:latin typeface="+mn-lt"/>
+                <a:ea typeface="+mn-ea"/>
+                <a:cs typeface="+mn-cs"/>
+              </a:rPr>
+              <a:t>Testen Use </a:t>
+            </a:r>
+            <a:r>
+              <a:rPr lang="de-DE" sz="1100" kern="1200" dirty="0" err="1">
+                <a:solidFill>
+                  <a:schemeClr val="tx1"/>
+                </a:solidFill>
+                <a:effectLst/>
+                <a:latin typeface="+mn-lt"/>
+                <a:ea typeface="+mn-ea"/>
+                <a:cs typeface="+mn-cs"/>
+              </a:rPr>
+              <a:t>cases</a:t>
+            </a:r>
+            <a:r>
+              <a:rPr lang="de-DE" sz="1100" kern="1200" dirty="0">
+                <a:solidFill>
+                  <a:schemeClr val="tx1"/>
+                </a:solidFill>
+                <a:effectLst/>
+                <a:latin typeface="+mn-lt"/>
+                <a:ea typeface="+mn-ea"/>
+                <a:cs typeface="+mn-cs"/>
+              </a:rPr>
+              <a:t> haben wir </a:t>
+            </a:r>
+            <a:r>
+              <a:rPr lang="de-DE" sz="1100" kern="1200" dirty="0" err="1">
+                <a:solidFill>
+                  <a:schemeClr val="tx1"/>
+                </a:solidFill>
+                <a:effectLst/>
+                <a:latin typeface="+mn-lt"/>
+                <a:ea typeface="+mn-ea"/>
+                <a:cs typeface="+mn-cs"/>
+              </a:rPr>
+              <a:t>cucumber</a:t>
+            </a:r>
+            <a:r>
+              <a:rPr lang="de-DE" sz="1100" kern="1200" dirty="0">
+                <a:solidFill>
+                  <a:schemeClr val="tx1"/>
+                </a:solidFill>
+                <a:effectLst/>
+                <a:latin typeface="+mn-lt"/>
+                <a:ea typeface="+mn-ea"/>
+                <a:cs typeface="+mn-cs"/>
+              </a:rPr>
+              <a:t> genutzt. </a:t>
+            </a:r>
+          </a:p>
+          <a:p>
+            <a:r>
+              <a:rPr lang="de-DE" sz="1100" kern="1200" dirty="0">
+                <a:solidFill>
+                  <a:schemeClr val="tx1"/>
+                </a:solidFill>
+                <a:effectLst/>
+                <a:latin typeface="+mn-lt"/>
+                <a:ea typeface="+mn-ea"/>
+                <a:cs typeface="+mn-cs"/>
+              </a:rPr>
+              <a:t>Feature </a:t>
+            </a:r>
+            <a:r>
+              <a:rPr lang="de-DE" sz="1100" kern="1200" dirty="0" err="1">
+                <a:solidFill>
+                  <a:schemeClr val="tx1"/>
+                </a:solidFill>
+                <a:effectLst/>
+                <a:latin typeface="+mn-lt"/>
+                <a:ea typeface="+mn-ea"/>
+                <a:cs typeface="+mn-cs"/>
+              </a:rPr>
+              <a:t>files</a:t>
+            </a:r>
+            <a:r>
+              <a:rPr lang="de-DE" sz="1100" kern="1200" dirty="0">
+                <a:solidFill>
+                  <a:schemeClr val="tx1"/>
+                </a:solidFill>
+                <a:effectLst/>
+                <a:latin typeface="+mn-lt"/>
+                <a:ea typeface="+mn-ea"/>
+                <a:cs typeface="+mn-cs"/>
+              </a:rPr>
+              <a:t> erstellt</a:t>
+            </a:r>
+          </a:p>
+          <a:p>
+            <a:r>
+              <a:rPr lang="de-DE" sz="1100" kern="1200" dirty="0">
+                <a:solidFill>
+                  <a:schemeClr val="tx1"/>
+                </a:solidFill>
+                <a:effectLst/>
+                <a:latin typeface="+mn-lt"/>
+                <a:ea typeface="+mn-ea"/>
+                <a:cs typeface="+mn-cs"/>
+              </a:rPr>
+              <a:t>In Sprache Gherkin geschrieben: Sodass automatisiert </a:t>
+            </a:r>
+            <a:r>
+              <a:rPr lang="de-DE" sz="1100" kern="1200" dirty="0" err="1">
+                <a:solidFill>
+                  <a:schemeClr val="tx1"/>
+                </a:solidFill>
+                <a:effectLst/>
+                <a:latin typeface="+mn-lt"/>
+                <a:ea typeface="+mn-ea"/>
+                <a:cs typeface="+mn-cs"/>
+              </a:rPr>
+              <a:t>use</a:t>
+            </a:r>
+            <a:r>
+              <a:rPr lang="de-DE" sz="1100" kern="1200" dirty="0">
+                <a:solidFill>
+                  <a:schemeClr val="tx1"/>
+                </a:solidFill>
+                <a:effectLst/>
+                <a:latin typeface="+mn-lt"/>
+                <a:ea typeface="+mn-ea"/>
+                <a:cs typeface="+mn-cs"/>
+              </a:rPr>
+              <a:t> </a:t>
+            </a:r>
+            <a:r>
+              <a:rPr lang="de-DE" sz="1100" kern="1200" dirty="0" err="1">
+                <a:solidFill>
+                  <a:schemeClr val="tx1"/>
+                </a:solidFill>
+                <a:effectLst/>
+                <a:latin typeface="+mn-lt"/>
+                <a:ea typeface="+mn-ea"/>
+                <a:cs typeface="+mn-cs"/>
+              </a:rPr>
+              <a:t>cases</a:t>
+            </a:r>
+            <a:r>
+              <a:rPr lang="de-DE" sz="1100" kern="1200" dirty="0">
+                <a:solidFill>
+                  <a:schemeClr val="tx1"/>
+                </a:solidFill>
+                <a:effectLst/>
+                <a:latin typeface="+mn-lt"/>
+                <a:ea typeface="+mn-ea"/>
+                <a:cs typeface="+mn-cs"/>
+              </a:rPr>
+              <a:t> abgefragt werden</a:t>
+            </a:r>
+          </a:p>
+          <a:p>
+            <a:r>
+              <a:rPr lang="de-DE" sz="1100" kern="1200" dirty="0">
+                <a:solidFill>
+                  <a:schemeClr val="tx1"/>
+                </a:solidFill>
+                <a:effectLst/>
+                <a:latin typeface="+mn-lt"/>
+                <a:ea typeface="+mn-ea"/>
+                <a:cs typeface="+mn-cs"/>
+              </a:rPr>
+              <a:t>Beispiel: Bild</a:t>
+            </a:r>
             <a:endParaRPr lang="de-DE" dirty="0"/>
           </a:p>
         </p:txBody>
@@ -2324,7 +2538,7 @@
     </p:spTree>
     <p:extLst>
       <p:ext uri="{BB962C8B-B14F-4D97-AF65-F5344CB8AC3E}">
-        <p14:creationId xmlns:p14="http://schemas.microsoft.com/office/powerpoint/2010/main" val="2681586836"/>
+        <p14:creationId xmlns:p14="http://schemas.microsoft.com/office/powerpoint/2010/main" val="683492654"/>
       </p:ext>
     </p:extLst>
   </p:cSld>
@@ -8279,7 +8493,7 @@
           <p:nvPr/>
         </p:nvPicPr>
         <p:blipFill>
-          <a:blip r:embed="rId2">
+          <a:blip r:embed="rId3">
             <a:extLst>
               <a:ext uri="{28A0092B-C50C-407E-A947-70E740481C1C}">
                 <a14:useLocalDpi xmlns:a14="http://schemas.microsoft.com/office/drawing/2010/main" val="0"/>
@@ -8320,7 +8534,7 @@
           <p:nvPr/>
         </p:nvPicPr>
         <p:blipFill>
-          <a:blip r:embed="rId3">
+          <a:blip r:embed="rId4">
             <a:extLst>
               <a:ext uri="{28A0092B-C50C-407E-A947-70E740481C1C}">
                 <a14:useLocalDpi xmlns:a14="http://schemas.microsoft.com/office/drawing/2010/main" val="0"/>
@@ -8439,11 +8653,11 @@
           <p:nvPr/>
         </p:nvPicPr>
         <p:blipFill>
-          <a:blip r:embed="rId4">
+          <a:blip r:embed="rId5">
             <a:extLst>
               <a:ext uri="{BEBA8EAE-BF5A-486C-A8C5-ECC9F3942E4B}">
                 <a14:imgProps xmlns:a14="http://schemas.microsoft.com/office/drawing/2010/main">
-                  <a14:imgLayer r:embed="rId5">
+                  <a14:imgLayer r:embed="rId6">
                     <a14:imgEffect>
                       <a14:backgroundRemoval t="0" b="100000" l="0" r="100000">
                         <a14:foregroundMark x1="3876" y1="22449" x2="5039" y2="19388"/>
@@ -8556,7 +8770,7 @@
           <p:nvPr/>
         </p:nvPicPr>
         <p:blipFill>
-          <a:blip r:embed="rId6">
+          <a:blip r:embed="rId7">
             <a:extLst>
               <a:ext uri="{28A0092B-C50C-407E-A947-70E740481C1C}">
                 <a14:useLocalDpi xmlns:a14="http://schemas.microsoft.com/office/drawing/2010/main" val="0"/>
@@ -8610,7 +8824,7 @@
           <p:nvPr/>
         </p:nvPicPr>
         <p:blipFill>
-          <a:blip r:embed="rId7">
+          <a:blip r:embed="rId8">
             <a:extLst>
               <a:ext uri="{28A0092B-C50C-407E-A947-70E740481C1C}">
                 <a14:useLocalDpi xmlns:a14="http://schemas.microsoft.com/office/drawing/2010/main" val="0"/>
@@ -8690,11 +8904,11 @@
           <p:nvPr/>
         </p:nvPicPr>
         <p:blipFill>
-          <a:blip r:embed="rId8">
+          <a:blip r:embed="rId9">
             <a:extLst>
               <a:ext uri="{BEBA8EAE-BF5A-486C-A8C5-ECC9F3942E4B}">
                 <a14:imgProps xmlns:a14="http://schemas.microsoft.com/office/drawing/2010/main">
-                  <a14:imgLayer r:embed="rId9">
+                  <a14:imgLayer r:embed="rId10">
                     <a14:imgEffect>
                       <a14:backgroundRemoval t="5263" b="89474" l="2105" r="97895">
                         <a14:foregroundMark x1="8947" y1="62406" x2="8684" y2="59398"/>
@@ -8801,11 +9015,11 @@
           <p:nvPr/>
         </p:nvPicPr>
         <p:blipFill>
-          <a:blip r:embed="rId10">
+          <a:blip r:embed="rId11">
             <a:extLst>
               <a:ext uri="{BEBA8EAE-BF5A-486C-A8C5-ECC9F3942E4B}">
                 <a14:imgProps xmlns:a14="http://schemas.microsoft.com/office/drawing/2010/main">
-                  <a14:imgLayer r:embed="rId11">
+                  <a14:imgLayer r:embed="rId12">
                     <a14:imgEffect>
                       <a14:backgroundRemoval t="0" b="100000" l="0" r="100000">
                         <a14:foregroundMark x1="40000" y1="68605" x2="40000" y2="51163"/>
@@ -8911,11 +9125,11 @@
           <p:nvPr/>
         </p:nvPicPr>
         <p:blipFill>
-          <a:blip r:embed="rId12">
+          <a:blip r:embed="rId13">
             <a:extLst>
               <a:ext uri="{BEBA8EAE-BF5A-486C-A8C5-ECC9F3942E4B}">
                 <a14:imgProps xmlns:a14="http://schemas.microsoft.com/office/drawing/2010/main">
-                  <a14:imgLayer r:embed="rId13">
+                  <a14:imgLayer r:embed="rId14">
                     <a14:imgEffect>
                       <a14:backgroundRemoval t="0" b="89844" l="508" r="98731">
                         <a14:foregroundMark x1="42386" y1="49219" x2="42132" y2="42969"/>
@@ -8982,7 +9196,7 @@
           <p:nvPr/>
         </p:nvPicPr>
         <p:blipFill>
-          <a:blip r:embed="rId14">
+          <a:blip r:embed="rId15">
             <a:extLst>
               <a:ext uri="{28A0092B-C50C-407E-A947-70E740481C1C}">
                 <a14:useLocalDpi xmlns:a14="http://schemas.microsoft.com/office/drawing/2010/main" val="0"/>
@@ -9169,11 +9383,11 @@
           <p:nvPr/>
         </p:nvPicPr>
         <p:blipFill rotWithShape="1">
-          <a:blip r:embed="rId2">
+          <a:blip r:embed="rId3">
             <a:extLst>
               <a:ext uri="{BEBA8EAE-BF5A-486C-A8C5-ECC9F3942E4B}">
                 <a14:imgProps xmlns:a14="http://schemas.microsoft.com/office/drawing/2010/main">
-                  <a14:imgLayer r:embed="rId3">
+                  <a14:imgLayer r:embed="rId4">
                     <a14:imgEffect>
                       <a14:sharpenSoften amount="50000"/>
                     </a14:imgEffect>
@@ -10217,7 +10431,7 @@
           <p:cNvPr id="4" name="Grafik 3">
             <a:extLst>
               <a:ext uri="{FF2B5EF4-FFF2-40B4-BE49-F238E27FC236}">
-                <a16:creationId xmlns:a16="http://schemas.microsoft.com/office/drawing/2014/main" id="{8836383C-C87A-4AC1-AF75-EE81D426CB81}"/>
+                <a16:creationId xmlns:a16="http://schemas.microsoft.com/office/drawing/2014/main" xmlns="" id="{8836383C-C87A-4AC1-AF75-EE81D426CB81}"/>
               </a:ext>
             </a:extLst>
           </p:cNvPr>
@@ -10753,7 +10967,7 @@
           <p:cNvPr id="2" name="Titel 1">
             <a:extLst>
               <a:ext uri="{FF2B5EF4-FFF2-40B4-BE49-F238E27FC236}">
-                <a16:creationId xmlns:a16="http://schemas.microsoft.com/office/drawing/2014/main" id="{BF44B5B3-A741-4E61-8522-4A9ED945E7E0}"/>
+                <a16:creationId xmlns:a16="http://schemas.microsoft.com/office/drawing/2014/main" xmlns="" id="{BF44B5B3-A741-4E61-8522-4A9ED945E7E0}"/>
               </a:ext>
             </a:extLst>
           </p:cNvPr>
@@ -10781,7 +10995,7 @@
           <p:cNvPr id="3" name="Foliennummernplatzhalter 2">
             <a:extLst>
               <a:ext uri="{FF2B5EF4-FFF2-40B4-BE49-F238E27FC236}">
-                <a16:creationId xmlns:a16="http://schemas.microsoft.com/office/drawing/2014/main" id="{E7BCF3A7-09F6-41A9-8B02-EA469D7B2A8D}"/>
+                <a16:creationId xmlns:a16="http://schemas.microsoft.com/office/drawing/2014/main" xmlns="" id="{E7BCF3A7-09F6-41A9-8B02-EA469D7B2A8D}"/>
               </a:ext>
             </a:extLst>
           </p:cNvPr>
@@ -10816,7 +11030,7 @@
           <p:cNvPr id="4" name="Rechteck 3">
             <a:extLst>
               <a:ext uri="{FF2B5EF4-FFF2-40B4-BE49-F238E27FC236}">
-                <a16:creationId xmlns:a16="http://schemas.microsoft.com/office/drawing/2014/main" id="{C370BFD7-73B3-481F-98B2-96FCF28FD2D4}"/>
+                <a16:creationId xmlns:a16="http://schemas.microsoft.com/office/drawing/2014/main" xmlns="" id="{C370BFD7-73B3-481F-98B2-96FCF28FD2D4}"/>
               </a:ext>
             </a:extLst>
           </p:cNvPr>
@@ -10865,7 +11079,7 @@
           <p:cNvPr id="5" name="Rechteck 4">
             <a:extLst>
               <a:ext uri="{FF2B5EF4-FFF2-40B4-BE49-F238E27FC236}">
-                <a16:creationId xmlns:a16="http://schemas.microsoft.com/office/drawing/2014/main" id="{0DB49011-00B3-4FDD-9E2B-0110B0300E5E}"/>
+                <a16:creationId xmlns:a16="http://schemas.microsoft.com/office/drawing/2014/main" xmlns="" id="{0DB49011-00B3-4FDD-9E2B-0110B0300E5E}"/>
               </a:ext>
             </a:extLst>
           </p:cNvPr>
@@ -10914,7 +11128,7 @@
           <p:cNvPr id="6" name="Rechteck 5">
             <a:extLst>
               <a:ext uri="{FF2B5EF4-FFF2-40B4-BE49-F238E27FC236}">
-                <a16:creationId xmlns:a16="http://schemas.microsoft.com/office/drawing/2014/main" id="{53005480-7DA6-4138-93C5-DF1CB2406020}"/>
+                <a16:creationId xmlns:a16="http://schemas.microsoft.com/office/drawing/2014/main" xmlns="" id="{53005480-7DA6-4138-93C5-DF1CB2406020}"/>
               </a:ext>
             </a:extLst>
           </p:cNvPr>
@@ -10963,7 +11177,7 @@
           <p:cNvPr id="7" name="Rechteck 6">
             <a:extLst>
               <a:ext uri="{FF2B5EF4-FFF2-40B4-BE49-F238E27FC236}">
-                <a16:creationId xmlns:a16="http://schemas.microsoft.com/office/drawing/2014/main" id="{2B8D5733-4973-4EDC-9740-D2B58CC410BB}"/>
+                <a16:creationId xmlns:a16="http://schemas.microsoft.com/office/drawing/2014/main" xmlns="" id="{2B8D5733-4973-4EDC-9740-D2B58CC410BB}"/>
               </a:ext>
             </a:extLst>
           </p:cNvPr>
@@ -11012,7 +11226,7 @@
           <p:cNvPr id="10" name="Gerade Verbindung mit Pfeil 9">
             <a:extLst>
               <a:ext uri="{FF2B5EF4-FFF2-40B4-BE49-F238E27FC236}">
-                <a16:creationId xmlns:a16="http://schemas.microsoft.com/office/drawing/2014/main" id="{034A3F39-AB4F-4B7F-B337-9C0A4A2FFDE3}"/>
+                <a16:creationId xmlns:a16="http://schemas.microsoft.com/office/drawing/2014/main" xmlns="" id="{034A3F39-AB4F-4B7F-B337-9C0A4A2FFDE3}"/>
               </a:ext>
             </a:extLst>
           </p:cNvPr>
@@ -11054,7 +11268,7 @@
           <p:cNvPr id="11" name="Textfeld 10">
             <a:extLst>
               <a:ext uri="{FF2B5EF4-FFF2-40B4-BE49-F238E27FC236}">
-                <a16:creationId xmlns:a16="http://schemas.microsoft.com/office/drawing/2014/main" id="{F94943A6-FA3B-400B-B94C-829DFBDCB840}"/>
+                <a16:creationId xmlns:a16="http://schemas.microsoft.com/office/drawing/2014/main" xmlns="" id="{F94943A6-FA3B-400B-B94C-829DFBDCB840}"/>
               </a:ext>
             </a:extLst>
           </p:cNvPr>
@@ -11094,7 +11308,7 @@
           <p:cNvPr id="14" name="Gerade Verbindung mit Pfeil 13">
             <a:extLst>
               <a:ext uri="{FF2B5EF4-FFF2-40B4-BE49-F238E27FC236}">
-                <a16:creationId xmlns:a16="http://schemas.microsoft.com/office/drawing/2014/main" id="{B9933890-3209-41B4-960F-9D0459EF7CC1}"/>
+                <a16:creationId xmlns:a16="http://schemas.microsoft.com/office/drawing/2014/main" xmlns="" id="{B9933890-3209-41B4-960F-9D0459EF7CC1}"/>
               </a:ext>
             </a:extLst>
           </p:cNvPr>
@@ -11136,7 +11350,7 @@
           <p:cNvPr id="15" name="Textfeld 14">
             <a:extLst>
               <a:ext uri="{FF2B5EF4-FFF2-40B4-BE49-F238E27FC236}">
-                <a16:creationId xmlns:a16="http://schemas.microsoft.com/office/drawing/2014/main" id="{6F4B8970-0952-4B41-818E-6271567B8A99}"/>
+                <a16:creationId xmlns:a16="http://schemas.microsoft.com/office/drawing/2014/main" xmlns="" id="{6F4B8970-0952-4B41-818E-6271567B8A99}"/>
               </a:ext>
             </a:extLst>
           </p:cNvPr>
@@ -11176,7 +11390,7 @@
           <p:cNvPr id="17" name="Gerade Verbindung mit Pfeil 16">
             <a:extLst>
               <a:ext uri="{FF2B5EF4-FFF2-40B4-BE49-F238E27FC236}">
-                <a16:creationId xmlns:a16="http://schemas.microsoft.com/office/drawing/2014/main" id="{ECE4995A-D3FF-4C00-8B19-3FB6AB121371}"/>
+                <a16:creationId xmlns:a16="http://schemas.microsoft.com/office/drawing/2014/main" xmlns="" id="{ECE4995A-D3FF-4C00-8B19-3FB6AB121371}"/>
               </a:ext>
             </a:extLst>
           </p:cNvPr>
@@ -11218,7 +11432,7 @@
           <p:cNvPr id="19" name="Gerade Verbindung mit Pfeil 18">
             <a:extLst>
               <a:ext uri="{FF2B5EF4-FFF2-40B4-BE49-F238E27FC236}">
-                <a16:creationId xmlns:a16="http://schemas.microsoft.com/office/drawing/2014/main" id="{DC88A3C5-260B-4D4F-8658-2259C93FF91E}"/>
+                <a16:creationId xmlns:a16="http://schemas.microsoft.com/office/drawing/2014/main" xmlns="" id="{DC88A3C5-260B-4D4F-8658-2259C93FF91E}"/>
               </a:ext>
             </a:extLst>
           </p:cNvPr>
@@ -11260,7 +11474,7 @@
           <p:cNvPr id="23" name="Gerade Verbindung mit Pfeil 22">
             <a:extLst>
               <a:ext uri="{FF2B5EF4-FFF2-40B4-BE49-F238E27FC236}">
-                <a16:creationId xmlns:a16="http://schemas.microsoft.com/office/drawing/2014/main" id="{CACA4A15-78B8-4EDE-A219-5F48BDF11CAB}"/>
+                <a16:creationId xmlns:a16="http://schemas.microsoft.com/office/drawing/2014/main" xmlns="" id="{CACA4A15-78B8-4EDE-A219-5F48BDF11CAB}"/>
               </a:ext>
             </a:extLst>
           </p:cNvPr>
@@ -11299,7 +11513,7 @@
           <p:cNvPr id="24" name="Textfeld 23">
             <a:extLst>
               <a:ext uri="{FF2B5EF4-FFF2-40B4-BE49-F238E27FC236}">
-                <a16:creationId xmlns:a16="http://schemas.microsoft.com/office/drawing/2014/main" id="{D28F6D7C-F286-466A-80CC-62E617F5E2FD}"/>
+                <a16:creationId xmlns:a16="http://schemas.microsoft.com/office/drawing/2014/main" xmlns="" id="{D28F6D7C-F286-466A-80CC-62E617F5E2FD}"/>
               </a:ext>
             </a:extLst>
           </p:cNvPr>
@@ -11339,6 +11553,104 @@
               <a:t>touched</a:t>
             </a:r>
             <a:endParaRPr lang="de-DE" dirty="0"/>
+          </a:p>
+        </p:txBody>
+      </p:sp>
+      <p:sp>
+        <p:nvSpPr>
+          <p:cNvPr id="16" name="Textfeld 15"/>
+          <p:cNvSpPr txBox="1"/>
+          <p:nvPr/>
+        </p:nvSpPr>
+        <p:spPr>
+          <a:xfrm>
+            <a:off x="1115616" y="4882355"/>
+            <a:ext cx="8028384" cy="307777"/>
+          </a:xfrm>
+          <a:prstGeom prst="rect">
+            <a:avLst/>
+          </a:prstGeom>
+          <a:noFill/>
+        </p:spPr>
+        <p:txBody>
+          <a:bodyPr wrap="square" rtlCol="0">
+            <a:spAutoFit/>
+          </a:bodyPr>
+          <a:lstStyle/>
+          <a:p>
+            <a:pPr algn="ctr"/>
+            <a:r>
+              <a:rPr lang="de-DE" b="1" dirty="0">
+                <a:solidFill>
+                  <a:schemeClr val="tx1"/>
+                </a:solidFill>
+                <a:latin typeface="Dosis" panose="020B0604020202020204" charset="0"/>
+              </a:rPr>
+              <a:t>Planung</a:t>
+            </a:r>
+            <a:r>
+              <a:rPr lang="de-DE" b="1" dirty="0">
+                <a:latin typeface="Dosis" panose="020B0604020202020204" charset="0"/>
+              </a:rPr>
+              <a:t> </a:t>
+            </a:r>
+            <a:r>
+              <a:rPr lang="de-DE" b="1" dirty="0">
+                <a:solidFill>
+                  <a:schemeClr val="tx1"/>
+                </a:solidFill>
+                <a:latin typeface="Dosis" panose="020B0604020202020204" charset="0"/>
+              </a:rPr>
+              <a:t>| </a:t>
+            </a:r>
+            <a:r>
+              <a:rPr lang="de-DE" b="1" dirty="0" err="1">
+                <a:solidFill>
+                  <a:schemeClr val="tx1"/>
+                </a:solidFill>
+                <a:latin typeface="Dosis" panose="020B0604020202020204" charset="0"/>
+              </a:rPr>
+              <a:t>Use</a:t>
+            </a:r>
+            <a:r>
+              <a:rPr lang="de-DE" b="1" dirty="0">
+                <a:solidFill>
+                  <a:schemeClr val="tx1"/>
+                </a:solidFill>
+                <a:latin typeface="Dosis" panose="020B0604020202020204" charset="0"/>
+              </a:rPr>
+              <a:t> Case | Technologie </a:t>
+            </a:r>
+            <a:r>
+              <a:rPr lang="de-DE" b="1" dirty="0">
+                <a:latin typeface="Dosis" panose="020B0604020202020204" charset="0"/>
+              </a:rPr>
+              <a:t>| </a:t>
+            </a:r>
+            <a:r>
+              <a:rPr lang="de-DE" b="1" dirty="0">
+                <a:solidFill>
+                  <a:schemeClr val="tx1"/>
+                </a:solidFill>
+                <a:latin typeface="Dosis" panose="020B0604020202020204" charset="0"/>
+              </a:rPr>
+              <a:t>Testen |</a:t>
+            </a:r>
+            <a:r>
+              <a:rPr lang="de-DE" b="1" dirty="0">
+                <a:solidFill>
+                  <a:schemeClr val="bg1"/>
+                </a:solidFill>
+                <a:latin typeface="Dosis" panose="020B0604020202020204" charset="0"/>
+              </a:rPr>
+              <a:t> Architektur </a:t>
+            </a:r>
+            <a:r>
+              <a:rPr lang="de-DE" b="1" dirty="0">
+                <a:latin typeface="Dosis" panose="020B0604020202020204" charset="0"/>
+              </a:rPr>
+              <a:t>| Demo</a:t>
+            </a:r>
           </a:p>
         </p:txBody>
       </p:sp>
@@ -12570,21 +12882,21 @@
                 <a:gridCol w="2392946">
                   <a:extLst>
                     <a:ext uri="{9D8B030D-6E8A-4147-A177-3AD203B41FA5}">
-                      <a16:colId xmlns:a16="http://schemas.microsoft.com/office/drawing/2014/main" val="20000"/>
+                      <a16:colId xmlns:a16="http://schemas.microsoft.com/office/drawing/2014/main" xmlns="" val="20000"/>
                     </a:ext>
                   </a:extLst>
                 </a:gridCol>
                 <a:gridCol w="2346547">
                   <a:extLst>
                     <a:ext uri="{9D8B030D-6E8A-4147-A177-3AD203B41FA5}">
-                      <a16:colId xmlns:a16="http://schemas.microsoft.com/office/drawing/2014/main" val="20001"/>
+                      <a16:colId xmlns:a16="http://schemas.microsoft.com/office/drawing/2014/main" xmlns="" val="20001"/>
                     </a:ext>
                   </a:extLst>
                 </a:gridCol>
                 <a:gridCol w="2369747">
                   <a:extLst>
                     <a:ext uri="{9D8B030D-6E8A-4147-A177-3AD203B41FA5}">
-                      <a16:colId xmlns:a16="http://schemas.microsoft.com/office/drawing/2014/main" val="20002"/>
+                      <a16:colId xmlns:a16="http://schemas.microsoft.com/office/drawing/2014/main" xmlns="" val="20002"/>
                     </a:ext>
                   </a:extLst>
                 </a:gridCol>
@@ -12700,7 +13012,7 @@
                 </a:tc>
                 <a:extLst>
                   <a:ext uri="{0D108BD9-81ED-4DB2-BD59-A6C34878D82A}">
-                    <a16:rowId xmlns:a16="http://schemas.microsoft.com/office/drawing/2014/main" val="10000"/>
+                    <a16:rowId xmlns:a16="http://schemas.microsoft.com/office/drawing/2014/main" xmlns="" val="10000"/>
                   </a:ext>
                 </a:extLst>
               </a:tr>
@@ -12859,7 +13171,7 @@
                 </a:tc>
                 <a:extLst>
                   <a:ext uri="{0D108BD9-81ED-4DB2-BD59-A6C34878D82A}">
-                    <a16:rowId xmlns:a16="http://schemas.microsoft.com/office/drawing/2014/main" val="10001"/>
+                    <a16:rowId xmlns:a16="http://schemas.microsoft.com/office/drawing/2014/main" xmlns="" val="10001"/>
                   </a:ext>
                 </a:extLst>
               </a:tr>
@@ -12966,7 +13278,7 @@
                 </a:tc>
                 <a:extLst>
                   <a:ext uri="{0D108BD9-81ED-4DB2-BD59-A6C34878D82A}">
-                    <a16:rowId xmlns:a16="http://schemas.microsoft.com/office/drawing/2014/main" val="10002"/>
+                    <a16:rowId xmlns:a16="http://schemas.microsoft.com/office/drawing/2014/main" xmlns="" val="10002"/>
                   </a:ext>
                 </a:extLst>
               </a:tr>
@@ -13070,7 +13382,7 @@
                 </a:tc>
                 <a:extLst>
                   <a:ext uri="{0D108BD9-81ED-4DB2-BD59-A6C34878D82A}">
-                    <a16:rowId xmlns:a16="http://schemas.microsoft.com/office/drawing/2014/main" val="10003"/>
+                    <a16:rowId xmlns:a16="http://schemas.microsoft.com/office/drawing/2014/main" xmlns="" val="10003"/>
                   </a:ext>
                 </a:extLst>
               </a:tr>
